--- a/docs/slides/Sesi�n 07.pptx
+++ b/docs/slides/Sesi�n 07.pptx
@@ -5,7 +5,7 @@
     <p:sldMasterId id="2147483648" r:id="rId1"/>
   </p:sldMasterIdLst>
   <p:notesMasterIdLst>
-    <p:notesMasterId r:id="rId19"/>
+    <p:notesMasterId r:id="rId18"/>
   </p:notesMasterIdLst>
   <p:sldIdLst>
     <p:sldId id="256" r:id="rId2"/>
@@ -24,7 +24,6 @@
     <p:sldId id="269" r:id="rId15"/>
     <p:sldId id="270" r:id="rId16"/>
     <p:sldId id="271" r:id="rId17"/>
-    <p:sldId id="272" r:id="rId18"/>
   </p:sldIdLst>
   <p:sldSz cx="9144000" cy="6858000" type="screen4x3"/>
   <p:notesSz cx="6858000" cy="9144000"/>
@@ -3662,15 +3661,7 @@
           <a:p>
             <a:r>
               <a:rPr lang="es-ES" dirty="0" smtClean="0"/>
-              <a:t>Instructor: </a:t>
-            </a:r>
-            <a:r>
-              <a:rPr lang="es-ES" dirty="0" smtClean="0"/>
-              <a:t>Ernesto </a:t>
-            </a:r>
-            <a:r>
-              <a:rPr lang="es-ES" dirty="0" smtClean="0"/>
-              <a:t>Anaya Ruiz</a:t>
+              <a:t>Instructor: Ernesto Anaya Ruiz</a:t>
             </a:r>
             <a:endParaRPr lang="es-ES" dirty="0"/>
           </a:p>
@@ -8749,211 +8740,6 @@
                 <a:srgbClr val="362700"/>
               </a:solidFill>
             </a:endParaRPr>
-          </a:p>
-        </p:txBody>
-      </p:sp>
-    </p:spTree>
-  </p:cSld>
-  <p:clrMapOvr>
-    <a:masterClrMapping/>
-  </p:clrMapOvr>
-  <p:timing>
-    <p:tnLst>
-      <p:par>
-        <p:cTn id="1" dur="indefinite" restart="never" nodeType="tmRoot"/>
-      </p:par>
-    </p:tnLst>
-  </p:timing>
-</p:sld>
-</file>
-
-<file path=ppt/slides/slide17.xml><?xml version="1.0" encoding="utf-8"?>
-<p:sld xmlns:a="http://schemas.openxmlformats.org/drawingml/2006/main" xmlns:r="http://schemas.openxmlformats.org/officeDocument/2006/relationships" xmlns:p="http://schemas.openxmlformats.org/presentationml/2006/main">
-  <p:cSld>
-    <p:spTree>
-      <p:nvGrpSpPr>
-        <p:cNvPr id="1" name=""/>
-        <p:cNvGrpSpPr/>
-        <p:nvPr/>
-      </p:nvGrpSpPr>
-      <p:grpSpPr>
-        <a:xfrm>
-          <a:off x="0" y="0"/>
-          <a:ext cx="0" cy="0"/>
-          <a:chOff x="0" y="0"/>
-          <a:chExt cx="0" cy="0"/>
-        </a:xfrm>
-      </p:grpSpPr>
-      <p:sp>
-        <p:nvSpPr>
-          <p:cNvPr id="4" name="3 Rectángulo"/>
-          <p:cNvSpPr/>
-          <p:nvPr/>
-        </p:nvSpPr>
-        <p:spPr>
-          <a:xfrm>
-            <a:off x="142876" y="1960142"/>
-            <a:ext cx="8858280" cy="923330"/>
-          </a:xfrm>
-          <a:prstGeom prst="rect">
-            <a:avLst/>
-          </a:prstGeom>
-          <a:solidFill>
-            <a:schemeClr val="bg1">
-              <a:lumMod val="95000"/>
-            </a:schemeClr>
-          </a:solidFill>
-          <a:ln>
-            <a:solidFill>
-              <a:schemeClr val="tx1"/>
-            </a:solidFill>
-          </a:ln>
-        </p:spPr>
-        <p:txBody>
-          <a:bodyPr wrap="square">
-            <a:spAutoFit/>
-          </a:bodyPr>
-          <a:lstStyle/>
-          <a:p>
-            <a:pPr>
-              <a:buFont typeface="Arial" pitchFamily="34" charset="0"/>
-              <a:buChar char="•"/>
-            </a:pPr>
-            <a:r>
-              <a:rPr lang="es-PE" b="1" dirty="0" smtClean="0">
-                <a:latin typeface="Courier New" pitchFamily="49" charset="0"/>
-                <a:cs typeface="Courier New" pitchFamily="49" charset="0"/>
-              </a:rPr>
-              <a:t>Generación de un PDF, usando un </a:t>
-            </a:r>
-            <a:r>
-              <a:rPr lang="es-PE" b="1" dirty="0" err="1" smtClean="0">
-                <a:latin typeface="Courier New" pitchFamily="49" charset="0"/>
-                <a:cs typeface="Courier New" pitchFamily="49" charset="0"/>
-              </a:rPr>
-              <a:t>template</a:t>
-            </a:r>
-            <a:r>
-              <a:rPr lang="es-PE" b="1" dirty="0" smtClean="0">
-                <a:latin typeface="Courier New" pitchFamily="49" charset="0"/>
-                <a:cs typeface="Courier New" pitchFamily="49" charset="0"/>
-              </a:rPr>
-              <a:t> predefinido</a:t>
-            </a:r>
-          </a:p>
-          <a:p>
-            <a:pPr>
-              <a:buFont typeface="Arial" pitchFamily="34" charset="0"/>
-              <a:buChar char="•"/>
-            </a:pPr>
-            <a:r>
-              <a:rPr lang="es-PE" b="1" dirty="0" smtClean="0">
-                <a:latin typeface="Courier New" pitchFamily="49" charset="0"/>
-                <a:cs typeface="Courier New" pitchFamily="49" charset="0"/>
-              </a:rPr>
-              <a:t>Exposición de una clase como servicio</a:t>
-            </a:r>
-          </a:p>
-          <a:p>
-            <a:pPr>
-              <a:buFont typeface="Arial" pitchFamily="34" charset="0"/>
-              <a:buChar char="•"/>
-            </a:pPr>
-            <a:r>
-              <a:rPr lang="es-PE" b="1" dirty="0" smtClean="0">
-                <a:latin typeface="Courier New" pitchFamily="49" charset="0"/>
-                <a:cs typeface="Courier New" pitchFamily="49" charset="0"/>
-              </a:rPr>
-              <a:t>Consumo del servicio expuesto anteriormente</a:t>
-            </a:r>
-            <a:endParaRPr lang="es-ES" b="1" dirty="0">
-              <a:latin typeface="Courier New" pitchFamily="49" charset="0"/>
-              <a:cs typeface="Courier New" pitchFamily="49" charset="0"/>
-            </a:endParaRPr>
-          </a:p>
-        </p:txBody>
-      </p:sp>
-      <p:sp>
-        <p:nvSpPr>
-          <p:cNvPr id="6" name="5 Rectángulo"/>
-          <p:cNvSpPr/>
-          <p:nvPr/>
-        </p:nvSpPr>
-        <p:spPr>
-          <a:xfrm>
-            <a:off x="285720" y="3308994"/>
-            <a:ext cx="8501090" cy="1477328"/>
-          </a:xfrm>
-          <a:prstGeom prst="rect">
-            <a:avLst/>
-          </a:prstGeom>
-          <a:solidFill>
-            <a:schemeClr val="bg1">
-              <a:lumMod val="95000"/>
-            </a:schemeClr>
-          </a:solidFill>
-          <a:ln>
-            <a:solidFill>
-              <a:schemeClr val="tx1"/>
-            </a:solidFill>
-          </a:ln>
-        </p:spPr>
-        <p:txBody>
-          <a:bodyPr wrap="square">
-            <a:spAutoFit/>
-          </a:bodyPr>
-          <a:lstStyle/>
-          <a:p>
-            <a:pPr>
-              <a:buFont typeface="Arial" pitchFamily="34" charset="0"/>
-              <a:buChar char="•"/>
-            </a:pPr>
-            <a:r>
-              <a:rPr lang="es-PE" b="1" dirty="0" smtClean="0">
-                <a:latin typeface="Courier New" pitchFamily="49" charset="0"/>
-                <a:cs typeface="Courier New" pitchFamily="49" charset="0"/>
-              </a:rPr>
-              <a:t>Generar un ‘ver detalle’ en PDF de otro modelo</a:t>
-            </a:r>
-          </a:p>
-          <a:p>
-            <a:pPr>
-              <a:buFont typeface="Arial" pitchFamily="34" charset="0"/>
-              <a:buChar char="•"/>
-            </a:pPr>
-            <a:r>
-              <a:rPr lang="es-PE" b="1" dirty="0" smtClean="0">
-                <a:latin typeface="Courier New" pitchFamily="49" charset="0"/>
-                <a:cs typeface="Courier New" pitchFamily="49" charset="0"/>
-              </a:rPr>
-              <a:t>Exponer un servicio para poder realizar ventas remotamente</a:t>
-            </a:r>
-          </a:p>
-          <a:p>
-            <a:pPr lvl="1">
-              <a:buFont typeface="Arial" pitchFamily="34" charset="0"/>
-              <a:buChar char="•"/>
-            </a:pPr>
-            <a:r>
-              <a:rPr lang="es-PE" b="1" dirty="0" smtClean="0">
-                <a:latin typeface="Courier New" pitchFamily="49" charset="0"/>
-                <a:cs typeface="Courier New" pitchFamily="49" charset="0"/>
-              </a:rPr>
-              <a:t>Esto incluye poder tener un catálogo expuesto x el servicio</a:t>
-            </a:r>
-          </a:p>
-          <a:p>
-            <a:pPr lvl="1">
-              <a:buFont typeface="Arial" pitchFamily="34" charset="0"/>
-              <a:buChar char="•"/>
-            </a:pPr>
-            <a:r>
-              <a:rPr lang="es-PE" b="1" dirty="0" smtClean="0">
-                <a:latin typeface="Courier New" pitchFamily="49" charset="0"/>
-                <a:cs typeface="Courier New" pitchFamily="49" charset="0"/>
-              </a:rPr>
-              <a:t>Y también un método de compra.</a:t>
-            </a:r>
           </a:p>
         </p:txBody>
       </p:sp>
